--- a/ppt/05-10.pptx
+++ b/ppt/05-10.pptx
@@ -6,6 +6,9 @@
   </p:sldMasterIdLst>
   <p:sldIdLst>
     <p:sldId id="270" r:id="rId2"/>
+    <p:sldId id="271" r:id="rId3"/>
+    <p:sldId id="273" r:id="rId4"/>
+    <p:sldId id="272" r:id="rId5"/>
   </p:sldIdLst>
   <p:sldSz cx="12192000" cy="6858000"/>
   <p:notesSz cx="6858000" cy="9144000"/>
@@ -3037,16 +3040,544 @@
           <a:lstStyle/>
           <a:p>
             <a:r>
-              <a:rPr lang="ko-KR" altLang="en-US"/>
+              <a:rPr lang="ko-KR" altLang="en-US" dirty="0"/>
               <a:t>미세먼지 디자인 변경</a:t>
             </a:r>
           </a:p>
         </p:txBody>
       </p:sp>
+      <p:pic>
+        <p:nvPicPr>
+          <p:cNvPr id="4" name="그림 3">
+            <a:extLst>
+              <a:ext uri="{FF2B5EF4-FFF2-40B4-BE49-F238E27FC236}">
+                <a16:creationId xmlns:a16="http://schemas.microsoft.com/office/drawing/2014/main" id="{4AEEDE0E-2E06-EA99-5B5D-921C8F4EF64A}"/>
+              </a:ext>
+            </a:extLst>
+          </p:cNvPr>
+          <p:cNvPicPr>
+            <a:picLocks noChangeAspect="1"/>
+          </p:cNvPicPr>
+          <p:nvPr/>
+        </p:nvPicPr>
+        <p:blipFill>
+          <a:blip r:embed="rId3"/>
+          <a:stretch>
+            <a:fillRect/>
+          </a:stretch>
+        </p:blipFill>
+        <p:spPr>
+          <a:xfrm>
+            <a:off x="6437033" y="1107798"/>
+            <a:ext cx="3991532" cy="1276528"/>
+          </a:xfrm>
+          <a:prstGeom prst="rect">
+            <a:avLst/>
+          </a:prstGeom>
+        </p:spPr>
+      </p:pic>
+      <p:pic>
+        <p:nvPicPr>
+          <p:cNvPr id="6" name="그림 5">
+            <a:extLst>
+              <a:ext uri="{FF2B5EF4-FFF2-40B4-BE49-F238E27FC236}">
+                <a16:creationId xmlns:a16="http://schemas.microsoft.com/office/drawing/2014/main" id="{7AE41309-6608-DAFE-4969-9EB660596A74}"/>
+              </a:ext>
+            </a:extLst>
+          </p:cNvPr>
+          <p:cNvPicPr>
+            <a:picLocks noChangeAspect="1"/>
+          </p:cNvPicPr>
+          <p:nvPr/>
+        </p:nvPicPr>
+        <p:blipFill>
+          <a:blip r:embed="rId4"/>
+          <a:stretch>
+            <a:fillRect/>
+          </a:stretch>
+        </p:blipFill>
+        <p:spPr>
+          <a:xfrm>
+            <a:off x="6437033" y="3806009"/>
+            <a:ext cx="4153480" cy="1400370"/>
+          </a:xfrm>
+          <a:prstGeom prst="rect">
+            <a:avLst/>
+          </a:prstGeom>
+        </p:spPr>
+      </p:pic>
+      <p:sp>
+        <p:nvSpPr>
+          <p:cNvPr id="10" name="TextBox 9">
+            <a:extLst>
+              <a:ext uri="{FF2B5EF4-FFF2-40B4-BE49-F238E27FC236}">
+                <a16:creationId xmlns:a16="http://schemas.microsoft.com/office/drawing/2014/main" id="{164277A3-21CC-5E08-FF2B-8F07DFD75982}"/>
+              </a:ext>
+            </a:extLst>
+          </p:cNvPr>
+          <p:cNvSpPr txBox="1"/>
+          <p:nvPr/>
+        </p:nvSpPr>
+        <p:spPr>
+          <a:xfrm>
+            <a:off x="7530971" y="2944912"/>
+            <a:ext cx="1965603" cy="307777"/>
+          </a:xfrm>
+          <a:prstGeom prst="rect">
+            <a:avLst/>
+          </a:prstGeom>
+          <a:noFill/>
+        </p:spPr>
+        <p:txBody>
+          <a:bodyPr wrap="none" rtlCol="0">
+            <a:spAutoFit/>
+          </a:bodyPr>
+          <a:lstStyle/>
+          <a:p>
+            <a:r>
+              <a:rPr lang="ko-KR" altLang="en-US" sz="1400" dirty="0"/>
+              <a:t>글자 크기 줄였습니다</a:t>
+            </a:r>
+            <a:r>
+              <a:rPr lang="en-US" altLang="ko-KR" sz="1400" dirty="0"/>
+              <a:t>.</a:t>
+            </a:r>
+            <a:endParaRPr lang="ko-KR" altLang="en-US" sz="1400" dirty="0"/>
+          </a:p>
+        </p:txBody>
+      </p:sp>
+      <p:cxnSp>
+        <p:nvCxnSpPr>
+          <p:cNvPr id="11" name="직선 화살표 연결선 10">
+            <a:extLst>
+              <a:ext uri="{FF2B5EF4-FFF2-40B4-BE49-F238E27FC236}">
+                <a16:creationId xmlns:a16="http://schemas.microsoft.com/office/drawing/2014/main" id="{E1004174-954A-21BA-500C-57A94F5ADD4C}"/>
+              </a:ext>
+            </a:extLst>
+          </p:cNvPr>
+          <p:cNvCxnSpPr/>
+          <p:nvPr/>
+        </p:nvCxnSpPr>
+        <p:spPr>
+          <a:xfrm flipV="1">
+            <a:off x="8263467" y="1896533"/>
+            <a:ext cx="0" cy="948267"/>
+          </a:xfrm>
+          <a:prstGeom prst="straightConnector1">
+            <a:avLst/>
+          </a:prstGeom>
+          <a:ln>
+            <a:tailEnd type="triangle"/>
+          </a:ln>
+        </p:spPr>
+        <p:style>
+          <a:lnRef idx="1">
+            <a:schemeClr val="accent1"/>
+          </a:lnRef>
+          <a:fillRef idx="0">
+            <a:schemeClr val="accent1"/>
+          </a:fillRef>
+          <a:effectRef idx="0">
+            <a:schemeClr val="accent1"/>
+          </a:effectRef>
+          <a:fontRef idx="minor">
+            <a:schemeClr val="tx1"/>
+          </a:fontRef>
+        </p:style>
+      </p:cxnSp>
+      <p:cxnSp>
+        <p:nvCxnSpPr>
+          <p:cNvPr id="13" name="직선 화살표 연결선 12">
+            <a:extLst>
+              <a:ext uri="{FF2B5EF4-FFF2-40B4-BE49-F238E27FC236}">
+                <a16:creationId xmlns:a16="http://schemas.microsoft.com/office/drawing/2014/main" id="{5E2DF632-9C32-76CF-F11C-DFFB73DC4FDB}"/>
+              </a:ext>
+            </a:extLst>
+          </p:cNvPr>
+          <p:cNvCxnSpPr/>
+          <p:nvPr/>
+        </p:nvCxnSpPr>
+        <p:spPr>
+          <a:xfrm>
+            <a:off x="7975601" y="3412066"/>
+            <a:ext cx="0" cy="736600"/>
+          </a:xfrm>
+          <a:prstGeom prst="straightConnector1">
+            <a:avLst/>
+          </a:prstGeom>
+          <a:ln>
+            <a:tailEnd type="triangle"/>
+          </a:ln>
+        </p:spPr>
+        <p:style>
+          <a:lnRef idx="1">
+            <a:schemeClr val="accent1"/>
+          </a:lnRef>
+          <a:fillRef idx="0">
+            <a:schemeClr val="accent1"/>
+          </a:fillRef>
+          <a:effectRef idx="0">
+            <a:schemeClr val="accent1"/>
+          </a:effectRef>
+          <a:fontRef idx="minor">
+            <a:schemeClr val="tx1"/>
+          </a:fontRef>
+        </p:style>
+      </p:cxnSp>
     </p:spTree>
     <p:extLst>
       <p:ext uri="{BB962C8B-B14F-4D97-AF65-F5344CB8AC3E}">
         <p14:creationId xmlns:p14="http://schemas.microsoft.com/office/powerpoint/2010/main" val="3804559759"/>
+      </p:ext>
+    </p:extLst>
+  </p:cSld>
+  <p:clrMapOvr>
+    <a:masterClrMapping/>
+  </p:clrMapOvr>
+</p:sld>
+</file>
+
+<file path=ppt/slides/slide2.xml><?xml version="1.0" encoding="utf-8"?>
+<p:sld xmlns:a="http://schemas.openxmlformats.org/drawingml/2006/main" xmlns:r="http://schemas.openxmlformats.org/officeDocument/2006/relationships" xmlns:p="http://schemas.openxmlformats.org/presentationml/2006/main">
+  <p:cSld>
+    <p:spTree>
+      <p:nvGrpSpPr>
+        <p:cNvPr id="1" name=""/>
+        <p:cNvGrpSpPr/>
+        <p:nvPr/>
+      </p:nvGrpSpPr>
+      <p:grpSpPr>
+        <a:xfrm>
+          <a:off x="0" y="0"/>
+          <a:ext cx="0" cy="0"/>
+          <a:chOff x="0" y="0"/>
+          <a:chExt cx="0" cy="0"/>
+        </a:xfrm>
+      </p:grpSpPr>
+      <p:sp>
+        <p:nvSpPr>
+          <p:cNvPr id="9" name="TextBox 8">
+            <a:extLst>
+              <a:ext uri="{FF2B5EF4-FFF2-40B4-BE49-F238E27FC236}">
+                <a16:creationId xmlns:a16="http://schemas.microsoft.com/office/drawing/2014/main" id="{FDF6C497-63AA-0FE5-D759-38FE104A392C}"/>
+              </a:ext>
+            </a:extLst>
+          </p:cNvPr>
+          <p:cNvSpPr txBox="1"/>
+          <p:nvPr/>
+        </p:nvSpPr>
+        <p:spPr>
+          <a:xfrm>
+            <a:off x="2904065" y="3119428"/>
+            <a:ext cx="1420582" cy="369332"/>
+          </a:xfrm>
+          <a:prstGeom prst="rect">
+            <a:avLst/>
+          </a:prstGeom>
+          <a:noFill/>
+        </p:spPr>
+        <p:txBody>
+          <a:bodyPr wrap="none" rtlCol="0">
+            <a:spAutoFit/>
+          </a:bodyPr>
+          <a:lstStyle/>
+          <a:p>
+            <a:r>
+              <a:rPr lang="ko-KR" altLang="en-US" dirty="0"/>
+              <a:t>콘텐츠 추가</a:t>
+            </a:r>
+          </a:p>
+        </p:txBody>
+      </p:sp>
+      <p:pic>
+        <p:nvPicPr>
+          <p:cNvPr id="15" name="그림 14">
+            <a:extLst>
+              <a:ext uri="{FF2B5EF4-FFF2-40B4-BE49-F238E27FC236}">
+                <a16:creationId xmlns:a16="http://schemas.microsoft.com/office/drawing/2014/main" id="{AD4BDC78-79E9-F6A2-2783-16A01C734BF1}"/>
+              </a:ext>
+            </a:extLst>
+          </p:cNvPr>
+          <p:cNvPicPr>
+            <a:picLocks noChangeAspect="1"/>
+          </p:cNvPicPr>
+          <p:nvPr/>
+        </p:nvPicPr>
+        <p:blipFill>
+          <a:blip r:embed="rId2"/>
+          <a:stretch>
+            <a:fillRect/>
+          </a:stretch>
+        </p:blipFill>
+        <p:spPr>
+          <a:xfrm>
+            <a:off x="1924333" y="1134435"/>
+            <a:ext cx="3534268" cy="1533739"/>
+          </a:xfrm>
+          <a:prstGeom prst="rect">
+            <a:avLst/>
+          </a:prstGeom>
+        </p:spPr>
+      </p:pic>
+    </p:spTree>
+    <p:extLst>
+      <p:ext uri="{BB962C8B-B14F-4D97-AF65-F5344CB8AC3E}">
+        <p14:creationId xmlns:p14="http://schemas.microsoft.com/office/powerpoint/2010/main" val="3191084210"/>
+      </p:ext>
+    </p:extLst>
+  </p:cSld>
+  <p:clrMapOvr>
+    <a:masterClrMapping/>
+  </p:clrMapOvr>
+</p:sld>
+</file>
+
+<file path=ppt/slides/slide3.xml><?xml version="1.0" encoding="utf-8"?>
+<p:sld xmlns:a="http://schemas.openxmlformats.org/drawingml/2006/main" xmlns:r="http://schemas.openxmlformats.org/officeDocument/2006/relationships" xmlns:p="http://schemas.openxmlformats.org/presentationml/2006/main">
+  <p:cSld>
+    <p:spTree>
+      <p:nvGrpSpPr>
+        <p:cNvPr id="1" name=""/>
+        <p:cNvGrpSpPr/>
+        <p:nvPr/>
+      </p:nvGrpSpPr>
+      <p:grpSpPr>
+        <a:xfrm>
+          <a:off x="0" y="0"/>
+          <a:ext cx="0" cy="0"/>
+          <a:chOff x="0" y="0"/>
+          <a:chExt cx="0" cy="0"/>
+        </a:xfrm>
+      </p:grpSpPr>
+      <p:sp>
+        <p:nvSpPr>
+          <p:cNvPr id="3" name="TextBox 2"/>
+          <p:cNvSpPr txBox="1"/>
+          <p:nvPr/>
+        </p:nvSpPr>
+        <p:spPr>
+          <a:xfrm>
+            <a:off x="337931" y="178905"/>
+            <a:ext cx="2204450" cy="369332"/>
+          </a:xfrm>
+          <a:prstGeom prst="rect">
+            <a:avLst/>
+          </a:prstGeom>
+          <a:noFill/>
+        </p:spPr>
+        <p:txBody>
+          <a:bodyPr wrap="none" rtlCol="0">
+            <a:spAutoFit/>
+          </a:bodyPr>
+          <a:lstStyle/>
+          <a:p>
+            <a:r>
+              <a:rPr lang="en-US" altLang="ko-KR" dirty="0" err="1"/>
+              <a:t>common_mapicons</a:t>
+            </a:r>
+            <a:endParaRPr lang="ko-KR" altLang="en-US" dirty="0"/>
+          </a:p>
+        </p:txBody>
+      </p:sp>
+      <p:sp>
+        <p:nvSpPr>
+          <p:cNvPr id="9" name="TextBox 8">
+            <a:extLst>
+              <a:ext uri="{FF2B5EF4-FFF2-40B4-BE49-F238E27FC236}">
+                <a16:creationId xmlns:a16="http://schemas.microsoft.com/office/drawing/2014/main" id="{FDF6C497-63AA-0FE5-D759-38FE104A392C}"/>
+              </a:ext>
+            </a:extLst>
+          </p:cNvPr>
+          <p:cNvSpPr txBox="1"/>
+          <p:nvPr/>
+        </p:nvSpPr>
+        <p:spPr>
+          <a:xfrm>
+            <a:off x="2878665" y="4956695"/>
+            <a:ext cx="1420582" cy="369332"/>
+          </a:xfrm>
+          <a:prstGeom prst="rect">
+            <a:avLst/>
+          </a:prstGeom>
+          <a:noFill/>
+        </p:spPr>
+        <p:txBody>
+          <a:bodyPr wrap="none" rtlCol="0">
+            <a:spAutoFit/>
+          </a:bodyPr>
+          <a:lstStyle/>
+          <a:p>
+            <a:r>
+              <a:rPr lang="ko-KR" altLang="en-US" dirty="0"/>
+              <a:t>아이콘 추가</a:t>
+            </a:r>
+          </a:p>
+        </p:txBody>
+      </p:sp>
+      <p:pic>
+        <p:nvPicPr>
+          <p:cNvPr id="13" name="그림 12">
+            <a:extLst>
+              <a:ext uri="{FF2B5EF4-FFF2-40B4-BE49-F238E27FC236}">
+                <a16:creationId xmlns:a16="http://schemas.microsoft.com/office/drawing/2014/main" id="{3447F199-967C-211E-270D-D8FB6F8CA1A0}"/>
+              </a:ext>
+            </a:extLst>
+          </p:cNvPr>
+          <p:cNvPicPr>
+            <a:picLocks noChangeAspect="1"/>
+          </p:cNvPicPr>
+          <p:nvPr/>
+        </p:nvPicPr>
+        <p:blipFill>
+          <a:blip r:embed="rId2"/>
+          <a:stretch>
+            <a:fillRect/>
+          </a:stretch>
+        </p:blipFill>
+        <p:spPr>
+          <a:xfrm>
+            <a:off x="337931" y="927384"/>
+            <a:ext cx="5925377" cy="3496163"/>
+          </a:xfrm>
+          <a:prstGeom prst="rect">
+            <a:avLst/>
+          </a:prstGeom>
+        </p:spPr>
+      </p:pic>
+    </p:spTree>
+    <p:extLst>
+      <p:ext uri="{BB962C8B-B14F-4D97-AF65-F5344CB8AC3E}">
+        <p14:creationId xmlns:p14="http://schemas.microsoft.com/office/powerpoint/2010/main" val="3842074382"/>
+      </p:ext>
+    </p:extLst>
+  </p:cSld>
+  <p:clrMapOvr>
+    <a:masterClrMapping/>
+  </p:clrMapOvr>
+</p:sld>
+</file>
+
+<file path=ppt/slides/slide4.xml><?xml version="1.0" encoding="utf-8"?>
+<p:sld xmlns:a="http://schemas.openxmlformats.org/drawingml/2006/main" xmlns:r="http://schemas.openxmlformats.org/officeDocument/2006/relationships" xmlns:p="http://schemas.openxmlformats.org/presentationml/2006/main">
+  <p:cSld>
+    <p:spTree>
+      <p:nvGrpSpPr>
+        <p:cNvPr id="1" name=""/>
+        <p:cNvGrpSpPr/>
+        <p:nvPr/>
+      </p:nvGrpSpPr>
+      <p:grpSpPr>
+        <a:xfrm>
+          <a:off x="0" y="0"/>
+          <a:ext cx="0" cy="0"/>
+          <a:chOff x="0" y="0"/>
+          <a:chExt cx="0" cy="0"/>
+        </a:xfrm>
+      </p:grpSpPr>
+      <p:pic>
+        <p:nvPicPr>
+          <p:cNvPr id="6" name="그림 5">
+            <a:extLst>
+              <a:ext uri="{FF2B5EF4-FFF2-40B4-BE49-F238E27FC236}">
+                <a16:creationId xmlns:a16="http://schemas.microsoft.com/office/drawing/2014/main" id="{22C83FC1-BB02-2B17-7AF6-45EA8120D999}"/>
+              </a:ext>
+            </a:extLst>
+          </p:cNvPr>
+          <p:cNvPicPr>
+            <a:picLocks noChangeAspect="1"/>
+          </p:cNvPicPr>
+          <p:nvPr/>
+        </p:nvPicPr>
+        <p:blipFill>
+          <a:blip r:embed="rId2"/>
+          <a:stretch>
+            <a:fillRect/>
+          </a:stretch>
+        </p:blipFill>
+        <p:spPr>
+          <a:xfrm>
+            <a:off x="4792519" y="1528603"/>
+            <a:ext cx="2048161" cy="1286054"/>
+          </a:xfrm>
+          <a:prstGeom prst="rect">
+            <a:avLst/>
+          </a:prstGeom>
+        </p:spPr>
+      </p:pic>
+      <p:pic>
+        <p:nvPicPr>
+          <p:cNvPr id="10" name="그림 9">
+            <a:extLst>
+              <a:ext uri="{FF2B5EF4-FFF2-40B4-BE49-F238E27FC236}">
+                <a16:creationId xmlns:a16="http://schemas.microsoft.com/office/drawing/2014/main" id="{E8AB37D8-88F7-B6C5-8555-A162D0172DFD}"/>
+              </a:ext>
+            </a:extLst>
+          </p:cNvPr>
+          <p:cNvPicPr>
+            <a:picLocks noChangeAspect="1"/>
+          </p:cNvPicPr>
+          <p:nvPr/>
+        </p:nvPicPr>
+        <p:blipFill>
+          <a:blip r:embed="rId3"/>
+          <a:stretch>
+            <a:fillRect/>
+          </a:stretch>
+        </p:blipFill>
+        <p:spPr>
+          <a:xfrm>
+            <a:off x="2201163" y="1619103"/>
+            <a:ext cx="2438740" cy="1105054"/>
+          </a:xfrm>
+          <a:prstGeom prst="rect">
+            <a:avLst/>
+          </a:prstGeom>
+        </p:spPr>
+      </p:pic>
+      <p:sp>
+        <p:nvSpPr>
+          <p:cNvPr id="11" name="TextBox 10">
+            <a:extLst>
+              <a:ext uri="{FF2B5EF4-FFF2-40B4-BE49-F238E27FC236}">
+                <a16:creationId xmlns:a16="http://schemas.microsoft.com/office/drawing/2014/main" id="{E182E30C-4628-1986-07F2-7598A30D9C28}"/>
+              </a:ext>
+            </a:extLst>
+          </p:cNvPr>
+          <p:cNvSpPr txBox="1"/>
+          <p:nvPr/>
+        </p:nvSpPr>
+        <p:spPr>
+          <a:xfrm>
+            <a:off x="3619040" y="3244334"/>
+            <a:ext cx="2476960" cy="369332"/>
+          </a:xfrm>
+          <a:prstGeom prst="rect">
+            <a:avLst/>
+          </a:prstGeom>
+          <a:noFill/>
+        </p:spPr>
+        <p:txBody>
+          <a:bodyPr wrap="none" rtlCol="0">
+            <a:spAutoFit/>
+          </a:bodyPr>
+          <a:lstStyle/>
+          <a:p>
+            <a:r>
+              <a:rPr lang="ko-KR" altLang="en-US" dirty="0"/>
+              <a:t>이미지 교체 했습니다</a:t>
+            </a:r>
+            <a:r>
+              <a:rPr lang="en-US" altLang="ko-KR" dirty="0"/>
+              <a:t>.</a:t>
+            </a:r>
+            <a:endParaRPr lang="ko-KR" altLang="en-US" dirty="0"/>
+          </a:p>
+        </p:txBody>
+      </p:sp>
+    </p:spTree>
+    <p:extLst>
+      <p:ext uri="{BB962C8B-B14F-4D97-AF65-F5344CB8AC3E}">
+        <p14:creationId xmlns:p14="http://schemas.microsoft.com/office/powerpoint/2010/main" val="1141238109"/>
       </p:ext>
     </p:extLst>
   </p:cSld>

--- a/ppt/05-10.pptx
+++ b/ppt/05-10.pptx
@@ -6,9 +6,10 @@
   </p:sldMasterIdLst>
   <p:sldIdLst>
     <p:sldId id="270" r:id="rId2"/>
-    <p:sldId id="271" r:id="rId3"/>
-    <p:sldId id="273" r:id="rId4"/>
-    <p:sldId id="272" r:id="rId5"/>
+    <p:sldId id="274" r:id="rId3"/>
+    <p:sldId id="275" r:id="rId4"/>
+    <p:sldId id="271" r:id="rId5"/>
+    <p:sldId id="272" r:id="rId6"/>
   </p:sldIdLst>
   <p:sldSz cx="12192000" cy="6858000"/>
   <p:notesSz cx="6858000" cy="9144000"/>
@@ -3256,6 +3257,36 @@
       </p:grpSpPr>
       <p:sp>
         <p:nvSpPr>
+          <p:cNvPr id="3" name="TextBox 2"/>
+          <p:cNvSpPr txBox="1"/>
+          <p:nvPr/>
+        </p:nvSpPr>
+        <p:spPr>
+          <a:xfrm>
+            <a:off x="337931" y="178905"/>
+            <a:ext cx="1207959" cy="369332"/>
+          </a:xfrm>
+          <a:prstGeom prst="rect">
+            <a:avLst/>
+          </a:prstGeom>
+          <a:noFill/>
+        </p:spPr>
+        <p:txBody>
+          <a:bodyPr wrap="none" rtlCol="0">
+            <a:spAutoFit/>
+          </a:bodyPr>
+          <a:lstStyle/>
+          <a:p>
+            <a:r>
+              <a:rPr lang="en-US" altLang="ko-KR" dirty="0"/>
+              <a:t>layer-vote</a:t>
+            </a:r>
+            <a:endParaRPr lang="ko-KR" altLang="en-US" dirty="0"/>
+          </a:p>
+        </p:txBody>
+      </p:sp>
+      <p:sp>
+        <p:nvSpPr>
           <p:cNvPr id="9" name="TextBox 8">
             <a:extLst>
               <a:ext uri="{FF2B5EF4-FFF2-40B4-BE49-F238E27FC236}">
@@ -3268,8 +3299,8 @@
         </p:nvSpPr>
         <p:spPr>
           <a:xfrm>
-            <a:off x="2904065" y="3119428"/>
-            <a:ext cx="1420582" cy="369332"/>
+            <a:off x="4313974" y="3208423"/>
+            <a:ext cx="543739" cy="307777"/>
           </a:xfrm>
           <a:prstGeom prst="rect">
             <a:avLst/>
@@ -3283,21 +3314,16 @@
           <a:lstStyle/>
           <a:p>
             <a:r>
-              <a:rPr lang="ko-KR" altLang="en-US" dirty="0"/>
-              <a:t>콘텐츠 추가</a:t>
-            </a:r>
+              <a:rPr lang="ko-KR" altLang="en-US" sz="1400" dirty="0" smtClean="0"/>
+              <a:t>클릭</a:t>
+            </a:r>
+            <a:endParaRPr lang="ko-KR" altLang="en-US" sz="1400" dirty="0"/>
           </a:p>
         </p:txBody>
       </p:sp>
       <p:pic>
         <p:nvPicPr>
-          <p:cNvPr id="15" name="그림 14">
-            <a:extLst>
-              <a:ext uri="{FF2B5EF4-FFF2-40B4-BE49-F238E27FC236}">
-                <a16:creationId xmlns:a16="http://schemas.microsoft.com/office/drawing/2014/main" id="{AD4BDC78-79E9-F6A2-2783-16A01C734BF1}"/>
-              </a:ext>
-            </a:extLst>
-          </p:cNvPr>
+          <p:cNvPr id="2" name="그림 1"/>
           <p:cNvPicPr>
             <a:picLocks noChangeAspect="1"/>
           </p:cNvPicPr>
@@ -3311,8 +3337,89 @@
         </p:blipFill>
         <p:spPr>
           <a:xfrm>
-            <a:off x="1924333" y="1134435"/>
-            <a:ext cx="3534268" cy="1533739"/>
+            <a:off x="414897" y="985186"/>
+            <a:ext cx="4286848" cy="390580"/>
+          </a:xfrm>
+          <a:prstGeom prst="rect">
+            <a:avLst/>
+          </a:prstGeom>
+        </p:spPr>
+      </p:pic>
+      <p:pic>
+        <p:nvPicPr>
+          <p:cNvPr id="5" name="그림 4"/>
+          <p:cNvPicPr>
+            <a:picLocks noChangeAspect="1"/>
+          </p:cNvPicPr>
+          <p:nvPr/>
+        </p:nvPicPr>
+        <p:blipFill>
+          <a:blip r:embed="rId3"/>
+          <a:stretch>
+            <a:fillRect/>
+          </a:stretch>
+        </p:blipFill>
+        <p:spPr>
+          <a:xfrm>
+            <a:off x="325799" y="1735247"/>
+            <a:ext cx="3729041" cy="4726069"/>
+          </a:xfrm>
+          <a:prstGeom prst="rect">
+            <a:avLst/>
+          </a:prstGeom>
+        </p:spPr>
+      </p:pic>
+      <p:cxnSp>
+        <p:nvCxnSpPr>
+          <p:cNvPr id="12" name="직선 화살표 연결선 11"/>
+          <p:cNvCxnSpPr/>
+          <p:nvPr/>
+        </p:nvCxnSpPr>
+        <p:spPr>
+          <a:xfrm>
+            <a:off x="3755036" y="3919928"/>
+            <a:ext cx="2915587" cy="0"/>
+          </a:xfrm>
+          <a:prstGeom prst="straightConnector1">
+            <a:avLst/>
+          </a:prstGeom>
+          <a:ln>
+            <a:tailEnd type="triangle"/>
+          </a:ln>
+        </p:spPr>
+        <p:style>
+          <a:lnRef idx="1">
+            <a:schemeClr val="accent1"/>
+          </a:lnRef>
+          <a:fillRef idx="0">
+            <a:schemeClr val="accent1"/>
+          </a:fillRef>
+          <a:effectRef idx="0">
+            <a:schemeClr val="accent1"/>
+          </a:effectRef>
+          <a:fontRef idx="minor">
+            <a:schemeClr val="tx1"/>
+          </a:fontRef>
+        </p:style>
+      </p:cxnSp>
+      <p:pic>
+        <p:nvPicPr>
+          <p:cNvPr id="14" name="그림 13"/>
+          <p:cNvPicPr>
+            <a:picLocks noChangeAspect="1"/>
+          </p:cNvPicPr>
+          <p:nvPr/>
+        </p:nvPicPr>
+        <p:blipFill>
+          <a:blip r:embed="rId4"/>
+          <a:stretch>
+            <a:fillRect/>
+          </a:stretch>
+        </p:blipFill>
+        <p:spPr>
+          <a:xfrm>
+            <a:off x="7049008" y="1656412"/>
+            <a:ext cx="3884442" cy="4282846"/>
           </a:xfrm>
           <a:prstGeom prst="rect">
             <a:avLst/>
@@ -3322,7 +3429,7 @@
     </p:spTree>
     <p:extLst>
       <p:ext uri="{BB962C8B-B14F-4D97-AF65-F5344CB8AC3E}">
-        <p14:creationId xmlns:p14="http://schemas.microsoft.com/office/powerpoint/2010/main" val="3191084210"/>
+        <p14:creationId xmlns:p14="http://schemas.microsoft.com/office/powerpoint/2010/main" val="708544722"/>
       </p:ext>
     </p:extLst>
   </p:cSld>
@@ -3358,7 +3465,7 @@
         <p:spPr>
           <a:xfrm>
             <a:off x="337931" y="178905"/>
-            <a:ext cx="2204450" cy="369332"/>
+            <a:ext cx="1821332" cy="369332"/>
           </a:xfrm>
           <a:prstGeom prst="rect">
             <a:avLst/>
@@ -3372,8 +3479,8 @@
           <a:lstStyle/>
           <a:p>
             <a:r>
-              <a:rPr lang="en-US" altLang="ko-KR" dirty="0" err="1"/>
-              <a:t>common_mapicons</a:t>
+              <a:rPr lang="en-US" altLang="ko-KR" dirty="0"/>
+              <a:t>UI-SJN-32-100L</a:t>
             </a:r>
             <a:endParaRPr lang="ko-KR" altLang="en-US" dirty="0"/>
           </a:p>
@@ -3393,8 +3500,8 @@
         </p:nvSpPr>
         <p:spPr>
           <a:xfrm>
-            <a:off x="2878665" y="4956695"/>
-            <a:ext cx="1420582" cy="369332"/>
+            <a:off x="5250859" y="1162266"/>
+            <a:ext cx="2566728" cy="307777"/>
           </a:xfrm>
           <a:prstGeom prst="rect">
             <a:avLst/>
@@ -3408,18 +3515,285 @@
           <a:lstStyle/>
           <a:p>
             <a:r>
-              <a:rPr lang="ko-KR" altLang="en-US" dirty="0"/>
-              <a:t>아이콘 추가</a:t>
-            </a:r>
+              <a:rPr lang="ko-KR" altLang="en-US" sz="1400" dirty="0" smtClean="0"/>
+              <a:t>페이지 하나 더 만들었습니다</a:t>
+            </a:r>
+            <a:r>
+              <a:rPr lang="en-US" altLang="ko-KR" sz="1400" dirty="0" smtClean="0"/>
+              <a:t>.</a:t>
+            </a:r>
+            <a:endParaRPr lang="ko-KR" altLang="en-US" sz="1400" dirty="0"/>
           </a:p>
         </p:txBody>
       </p:sp>
       <p:pic>
         <p:nvPicPr>
-          <p:cNvPr id="13" name="그림 12">
+          <p:cNvPr id="4" name="그림 3"/>
+          <p:cNvPicPr>
+            <a:picLocks noChangeAspect="1"/>
+          </p:cNvPicPr>
+          <p:nvPr/>
+        </p:nvPicPr>
+        <p:blipFill>
+          <a:blip r:embed="rId2"/>
+          <a:stretch>
+            <a:fillRect/>
+          </a:stretch>
+        </p:blipFill>
+        <p:spPr>
+          <a:xfrm>
+            <a:off x="242233" y="735399"/>
+            <a:ext cx="4887007" cy="800212"/>
+          </a:xfrm>
+          <a:prstGeom prst="rect">
+            <a:avLst/>
+          </a:prstGeom>
+        </p:spPr>
+      </p:pic>
+      <p:pic>
+        <p:nvPicPr>
+          <p:cNvPr id="6" name="그림 5"/>
+          <p:cNvPicPr>
+            <a:picLocks noChangeAspect="1"/>
+          </p:cNvPicPr>
+          <p:nvPr/>
+        </p:nvPicPr>
+        <p:blipFill>
+          <a:blip r:embed="rId3"/>
+          <a:stretch>
+            <a:fillRect/>
+          </a:stretch>
+        </p:blipFill>
+        <p:spPr>
+          <a:xfrm>
+            <a:off x="363274" y="2134410"/>
+            <a:ext cx="4525006" cy="4058216"/>
+          </a:xfrm>
+          <a:prstGeom prst="rect">
+            <a:avLst/>
+          </a:prstGeom>
+        </p:spPr>
+      </p:pic>
+      <p:cxnSp>
+        <p:nvCxnSpPr>
+          <p:cNvPr id="8" name="직선 화살표 연결선 7"/>
+          <p:cNvCxnSpPr/>
+          <p:nvPr/>
+        </p:nvCxnSpPr>
+        <p:spPr>
+          <a:xfrm flipH="1">
+            <a:off x="4639457" y="2645764"/>
+            <a:ext cx="517159" cy="0"/>
+          </a:xfrm>
+          <a:prstGeom prst="straightConnector1">
+            <a:avLst/>
+          </a:prstGeom>
+          <a:ln>
+            <a:tailEnd type="triangle"/>
+          </a:ln>
+        </p:spPr>
+        <p:style>
+          <a:lnRef idx="1">
+            <a:schemeClr val="accent1"/>
+          </a:lnRef>
+          <a:fillRef idx="0">
+            <a:schemeClr val="accent1"/>
+          </a:fillRef>
+          <a:effectRef idx="0">
+            <a:schemeClr val="accent1"/>
+          </a:effectRef>
+          <a:fontRef idx="minor">
+            <a:schemeClr val="tx1"/>
+          </a:fontRef>
+        </p:style>
+      </p:cxnSp>
+      <p:sp>
+        <p:nvSpPr>
+          <p:cNvPr id="13" name="TextBox 12">
             <a:extLst>
               <a:ext uri="{FF2B5EF4-FFF2-40B4-BE49-F238E27FC236}">
-                <a16:creationId xmlns:a16="http://schemas.microsoft.com/office/drawing/2014/main" id="{3447F199-967C-211E-270D-D8FB6F8CA1A0}"/>
+                <a16:creationId xmlns:a16="http://schemas.microsoft.com/office/drawing/2014/main" id="{FDF6C497-63AA-0FE5-D759-38FE104A392C}"/>
+              </a:ext>
+            </a:extLst>
+          </p:cNvPr>
+          <p:cNvSpPr txBox="1"/>
+          <p:nvPr/>
+        </p:nvSpPr>
+        <p:spPr>
+          <a:xfrm>
+            <a:off x="5155920" y="2498889"/>
+            <a:ext cx="1364476" cy="307777"/>
+          </a:xfrm>
+          <a:prstGeom prst="rect">
+            <a:avLst/>
+          </a:prstGeom>
+          <a:noFill/>
+        </p:spPr>
+        <p:txBody>
+          <a:bodyPr wrap="none" rtlCol="0">
+            <a:spAutoFit/>
+          </a:bodyPr>
+          <a:lstStyle/>
+          <a:p>
+            <a:r>
+              <a:rPr lang="ko-KR" altLang="en-US" sz="1400" dirty="0" smtClean="0"/>
+              <a:t>추가 했습니다</a:t>
+            </a:r>
+            <a:r>
+              <a:rPr lang="en-US" altLang="ko-KR" sz="1400" dirty="0" smtClean="0"/>
+              <a:t>.</a:t>
+            </a:r>
+            <a:endParaRPr lang="ko-KR" altLang="en-US" sz="1400" dirty="0"/>
+          </a:p>
+        </p:txBody>
+      </p:sp>
+      <p:pic>
+        <p:nvPicPr>
+          <p:cNvPr id="11" name="그림 10"/>
+          <p:cNvPicPr>
+            <a:picLocks noChangeAspect="1"/>
+          </p:cNvPicPr>
+          <p:nvPr/>
+        </p:nvPicPr>
+        <p:blipFill>
+          <a:blip r:embed="rId4"/>
+          <a:stretch>
+            <a:fillRect/>
+          </a:stretch>
+        </p:blipFill>
+        <p:spPr>
+          <a:xfrm>
+            <a:off x="7615003" y="3387777"/>
+            <a:ext cx="4259457" cy="687823"/>
+          </a:xfrm>
+          <a:prstGeom prst="rect">
+            <a:avLst/>
+          </a:prstGeom>
+        </p:spPr>
+      </p:pic>
+      <p:sp>
+        <p:nvSpPr>
+          <p:cNvPr id="15" name="TextBox 14">
+            <a:extLst>
+              <a:ext uri="{FF2B5EF4-FFF2-40B4-BE49-F238E27FC236}">
+                <a16:creationId xmlns:a16="http://schemas.microsoft.com/office/drawing/2014/main" id="{FDF6C497-63AA-0FE5-D759-38FE104A392C}"/>
+              </a:ext>
+            </a:extLst>
+          </p:cNvPr>
+          <p:cNvSpPr txBox="1"/>
+          <p:nvPr/>
+        </p:nvSpPr>
+        <p:spPr>
+          <a:xfrm>
+            <a:off x="7819173" y="4570030"/>
+            <a:ext cx="3425938" cy="307777"/>
+          </a:xfrm>
+          <a:prstGeom prst="rect">
+            <a:avLst/>
+          </a:prstGeom>
+          <a:noFill/>
+        </p:spPr>
+        <p:txBody>
+          <a:bodyPr wrap="none" rtlCol="0">
+            <a:spAutoFit/>
+          </a:bodyPr>
+          <a:lstStyle/>
+          <a:p>
+            <a:r>
+              <a:rPr lang="ko-KR" altLang="en-US" sz="1400" dirty="0" err="1" smtClean="0"/>
+              <a:t>마커는</a:t>
+            </a:r>
+            <a:r>
+              <a:rPr lang="ko-KR" altLang="en-US" sz="1400" dirty="0" smtClean="0"/>
+              <a:t> </a:t>
+            </a:r>
+            <a:r>
+              <a:rPr lang="en-US" altLang="ko-KR" sz="1400" dirty="0" smtClean="0"/>
+              <a:t>common_mapicons </a:t>
+            </a:r>
+            <a:r>
+              <a:rPr lang="ko-KR" altLang="en-US" sz="1400" dirty="0" smtClean="0"/>
+              <a:t>에 있습니다</a:t>
+            </a:r>
+            <a:r>
+              <a:rPr lang="en-US" altLang="ko-KR" sz="1400" dirty="0" smtClean="0"/>
+              <a:t>.</a:t>
+            </a:r>
+            <a:endParaRPr lang="ko-KR" altLang="en-US" sz="1400" dirty="0"/>
+          </a:p>
+        </p:txBody>
+      </p:sp>
+    </p:spTree>
+    <p:extLst>
+      <p:ext uri="{BB962C8B-B14F-4D97-AF65-F5344CB8AC3E}">
+        <p14:creationId xmlns:p14="http://schemas.microsoft.com/office/powerpoint/2010/main" val="4194204464"/>
+      </p:ext>
+    </p:extLst>
+  </p:cSld>
+  <p:clrMapOvr>
+    <a:masterClrMapping/>
+  </p:clrMapOvr>
+</p:sld>
+</file>
+
+<file path=ppt/slides/slide4.xml><?xml version="1.0" encoding="utf-8"?>
+<p:sld xmlns:a="http://schemas.openxmlformats.org/drawingml/2006/main" xmlns:r="http://schemas.openxmlformats.org/officeDocument/2006/relationships" xmlns:p="http://schemas.openxmlformats.org/presentationml/2006/main">
+  <p:cSld>
+    <p:spTree>
+      <p:nvGrpSpPr>
+        <p:cNvPr id="1" name=""/>
+        <p:cNvGrpSpPr/>
+        <p:nvPr/>
+      </p:nvGrpSpPr>
+      <p:grpSpPr>
+        <a:xfrm>
+          <a:off x="0" y="0"/>
+          <a:ext cx="0" cy="0"/>
+          <a:chOff x="0" y="0"/>
+          <a:chExt cx="0" cy="0"/>
+        </a:xfrm>
+      </p:grpSpPr>
+      <p:sp>
+        <p:nvSpPr>
+          <p:cNvPr id="9" name="TextBox 8">
+            <a:extLst>
+              <a:ext uri="{FF2B5EF4-FFF2-40B4-BE49-F238E27FC236}">
+                <a16:creationId xmlns:a16="http://schemas.microsoft.com/office/drawing/2014/main" id="{FDF6C497-63AA-0FE5-D759-38FE104A392C}"/>
+              </a:ext>
+            </a:extLst>
+          </p:cNvPr>
+          <p:cNvSpPr txBox="1"/>
+          <p:nvPr/>
+        </p:nvSpPr>
+        <p:spPr>
+          <a:xfrm>
+            <a:off x="1644892" y="3007002"/>
+            <a:ext cx="1420582" cy="369332"/>
+          </a:xfrm>
+          <a:prstGeom prst="rect">
+            <a:avLst/>
+          </a:prstGeom>
+          <a:noFill/>
+        </p:spPr>
+        <p:txBody>
+          <a:bodyPr wrap="none" rtlCol="0">
+            <a:spAutoFit/>
+          </a:bodyPr>
+          <a:lstStyle/>
+          <a:p>
+            <a:r>
+              <a:rPr lang="ko-KR" altLang="en-US" dirty="0"/>
+              <a:t>콘텐츠 추가</a:t>
+            </a:r>
+          </a:p>
+        </p:txBody>
+      </p:sp>
+      <p:pic>
+        <p:nvPicPr>
+          <p:cNvPr id="15" name="그림 14">
+            <a:extLst>
+              <a:ext uri="{FF2B5EF4-FFF2-40B4-BE49-F238E27FC236}">
+                <a16:creationId xmlns:a16="http://schemas.microsoft.com/office/drawing/2014/main" id="{AD4BDC78-79E9-F6A2-2783-16A01C734BF1}"/>
               </a:ext>
             </a:extLst>
           </p:cNvPr>
@@ -3436,7 +3810,102 @@
         </p:blipFill>
         <p:spPr>
           <a:xfrm>
-            <a:off x="337931" y="927384"/>
+            <a:off x="680150" y="1119445"/>
+            <a:ext cx="3534268" cy="1533739"/>
+          </a:xfrm>
+          <a:prstGeom prst="rect">
+            <a:avLst/>
+          </a:prstGeom>
+        </p:spPr>
+      </p:pic>
+      <p:sp>
+        <p:nvSpPr>
+          <p:cNvPr id="4" name="TextBox 3"/>
+          <p:cNvSpPr txBox="1"/>
+          <p:nvPr/>
+        </p:nvSpPr>
+        <p:spPr>
+          <a:xfrm>
+            <a:off x="5569499" y="261351"/>
+            <a:ext cx="2204450" cy="369332"/>
+          </a:xfrm>
+          <a:prstGeom prst="rect">
+            <a:avLst/>
+          </a:prstGeom>
+          <a:noFill/>
+        </p:spPr>
+        <p:txBody>
+          <a:bodyPr wrap="none" rtlCol="0">
+            <a:spAutoFit/>
+          </a:bodyPr>
+          <a:lstStyle/>
+          <a:p>
+            <a:r>
+              <a:rPr lang="en-US" altLang="ko-KR" dirty="0" err="1"/>
+              <a:t>common_mapicons</a:t>
+            </a:r>
+            <a:endParaRPr lang="ko-KR" altLang="en-US" dirty="0"/>
+          </a:p>
+        </p:txBody>
+      </p:sp>
+      <p:sp>
+        <p:nvSpPr>
+          <p:cNvPr id="5" name="TextBox 4">
+            <a:extLst>
+              <a:ext uri="{FF2B5EF4-FFF2-40B4-BE49-F238E27FC236}">
+                <a16:creationId xmlns:a16="http://schemas.microsoft.com/office/drawing/2014/main" id="{FDF6C497-63AA-0FE5-D759-38FE104A392C}"/>
+              </a:ext>
+            </a:extLst>
+          </p:cNvPr>
+          <p:cNvSpPr txBox="1"/>
+          <p:nvPr/>
+        </p:nvSpPr>
+        <p:spPr>
+          <a:xfrm>
+            <a:off x="8110233" y="5039141"/>
+            <a:ext cx="1420582" cy="369332"/>
+          </a:xfrm>
+          <a:prstGeom prst="rect">
+            <a:avLst/>
+          </a:prstGeom>
+          <a:noFill/>
+        </p:spPr>
+        <p:txBody>
+          <a:bodyPr wrap="none" rtlCol="0">
+            <a:spAutoFit/>
+          </a:bodyPr>
+          <a:lstStyle/>
+          <a:p>
+            <a:r>
+              <a:rPr lang="ko-KR" altLang="en-US" dirty="0"/>
+              <a:t>아이콘 추가</a:t>
+            </a:r>
+          </a:p>
+        </p:txBody>
+      </p:sp>
+      <p:pic>
+        <p:nvPicPr>
+          <p:cNvPr id="6" name="그림 5">
+            <a:extLst>
+              <a:ext uri="{FF2B5EF4-FFF2-40B4-BE49-F238E27FC236}">
+                <a16:creationId xmlns:a16="http://schemas.microsoft.com/office/drawing/2014/main" id="{3447F199-967C-211E-270D-D8FB6F8CA1A0}"/>
+              </a:ext>
+            </a:extLst>
+          </p:cNvPr>
+          <p:cNvPicPr>
+            <a:picLocks noChangeAspect="1"/>
+          </p:cNvPicPr>
+          <p:nvPr/>
+        </p:nvPicPr>
+        <p:blipFill>
+          <a:blip r:embed="rId3"/>
+          <a:stretch>
+            <a:fillRect/>
+          </a:stretch>
+        </p:blipFill>
+        <p:spPr>
+          <a:xfrm>
+            <a:off x="5569499" y="1009830"/>
             <a:ext cx="5925377" cy="3496163"/>
           </a:xfrm>
           <a:prstGeom prst="rect">
@@ -3447,7 +3916,7 @@
     </p:spTree>
     <p:extLst>
       <p:ext uri="{BB962C8B-B14F-4D97-AF65-F5344CB8AC3E}">
-        <p14:creationId xmlns:p14="http://schemas.microsoft.com/office/powerpoint/2010/main" val="3842074382"/>
+        <p14:creationId xmlns:p14="http://schemas.microsoft.com/office/powerpoint/2010/main" val="3191084210"/>
       </p:ext>
     </p:extLst>
   </p:cSld>
@@ -3457,7 +3926,7 @@
 </p:sld>
 </file>
 
-<file path=ppt/slides/slide4.xml><?xml version="1.0" encoding="utf-8"?>
+<file path=ppt/slides/slide5.xml><?xml version="1.0" encoding="utf-8"?>
 <p:sld xmlns:a="http://schemas.openxmlformats.org/drawingml/2006/main" xmlns:r="http://schemas.openxmlformats.org/officeDocument/2006/relationships" xmlns:p="http://schemas.openxmlformats.org/presentationml/2006/main">
   <p:cSld>
     <p:spTree>

--- a/ppt/05-10.pptx
+++ b/ppt/05-10.pptx
@@ -3264,7 +3264,7 @@
         <p:spPr>
           <a:xfrm>
             <a:off x="337931" y="178905"/>
-            <a:ext cx="1207959" cy="369332"/>
+            <a:ext cx="1936043" cy="369332"/>
           </a:xfrm>
           <a:prstGeom prst="rect">
             <a:avLst/>
@@ -3279,51 +3279,15 @@
           <a:p>
             <a:r>
               <a:rPr lang="en-US" altLang="ko-KR" dirty="0"/>
-              <a:t>layer-vote</a:t>
+              <a:t>layer-vote-crowd</a:t>
             </a:r>
             <a:endParaRPr lang="ko-KR" altLang="en-US" dirty="0"/>
-          </a:p>
-        </p:txBody>
-      </p:sp>
-      <p:sp>
-        <p:nvSpPr>
-          <p:cNvPr id="9" name="TextBox 8">
-            <a:extLst>
-              <a:ext uri="{FF2B5EF4-FFF2-40B4-BE49-F238E27FC236}">
-                <a16:creationId xmlns:a16="http://schemas.microsoft.com/office/drawing/2014/main" id="{FDF6C497-63AA-0FE5-D759-38FE104A392C}"/>
-              </a:ext>
-            </a:extLst>
-          </p:cNvPr>
-          <p:cNvSpPr txBox="1"/>
-          <p:nvPr/>
-        </p:nvSpPr>
-        <p:spPr>
-          <a:xfrm>
-            <a:off x="4313974" y="3208423"/>
-            <a:ext cx="543739" cy="307777"/>
-          </a:xfrm>
-          <a:prstGeom prst="rect">
-            <a:avLst/>
-          </a:prstGeom>
-          <a:noFill/>
-        </p:spPr>
-        <p:txBody>
-          <a:bodyPr wrap="none" rtlCol="0">
-            <a:spAutoFit/>
-          </a:bodyPr>
-          <a:lstStyle/>
-          <a:p>
-            <a:r>
-              <a:rPr lang="ko-KR" altLang="en-US" sz="1400" dirty="0" smtClean="0"/>
-              <a:t>클릭</a:t>
-            </a:r>
-            <a:endParaRPr lang="ko-KR" altLang="en-US" sz="1400" dirty="0"/>
           </a:p>
         </p:txBody>
       </p:sp>
       <p:pic>
         <p:nvPicPr>
-          <p:cNvPr id="2" name="그림 1"/>
+          <p:cNvPr id="4" name="그림 3"/>
           <p:cNvPicPr>
             <a:picLocks noChangeAspect="1"/>
           </p:cNvPicPr>
@@ -3337,8 +3301,8 @@
         </p:blipFill>
         <p:spPr>
           <a:xfrm>
-            <a:off x="414897" y="985186"/>
-            <a:ext cx="4286848" cy="390580"/>
+            <a:off x="293368" y="731054"/>
+            <a:ext cx="4934639" cy="419158"/>
           </a:xfrm>
           <a:prstGeom prst="rect">
             <a:avLst/>
@@ -3347,7 +3311,7 @@
       </p:pic>
       <p:pic>
         <p:nvPicPr>
-          <p:cNvPr id="5" name="그림 4"/>
+          <p:cNvPr id="6" name="그림 5"/>
           <p:cNvPicPr>
             <a:picLocks noChangeAspect="1"/>
           </p:cNvPicPr>
@@ -3361,8 +3325,8 @@
         </p:blipFill>
         <p:spPr>
           <a:xfrm>
-            <a:off x="325799" y="1735247"/>
-            <a:ext cx="3729041" cy="4726069"/>
+            <a:off x="315572" y="1573192"/>
+            <a:ext cx="4515480" cy="4401164"/>
           </a:xfrm>
           <a:prstGeom prst="rect">
             <a:avLst/>
@@ -3371,14 +3335,14 @@
       </p:pic>
       <p:cxnSp>
         <p:nvCxnSpPr>
-          <p:cNvPr id="12" name="직선 화살표 연결선 11"/>
+          <p:cNvPr id="8" name="직선 화살표 연결선 7"/>
           <p:cNvCxnSpPr/>
           <p:nvPr/>
         </p:nvCxnSpPr>
         <p:spPr>
-          <a:xfrm>
-            <a:off x="3755036" y="3919928"/>
-            <a:ext cx="2915587" cy="0"/>
+          <a:xfrm flipH="1">
+            <a:off x="4167265" y="3537679"/>
+            <a:ext cx="2113614" cy="0"/>
           </a:xfrm>
           <a:prstGeom prst="straightConnector1">
             <a:avLst/>
@@ -3402,30 +3366,60 @@
           </a:fontRef>
         </p:style>
       </p:cxnSp>
-      <p:pic>
-        <p:nvPicPr>
-          <p:cNvPr id="14" name="그림 13"/>
-          <p:cNvPicPr>
-            <a:picLocks noChangeAspect="1"/>
-          </p:cNvPicPr>
+      <p:sp>
+        <p:nvSpPr>
+          <p:cNvPr id="10" name="TextBox 9"/>
+          <p:cNvSpPr txBox="1"/>
           <p:nvPr/>
-        </p:nvPicPr>
-        <p:blipFill>
-          <a:blip r:embed="rId4"/>
-          <a:stretch>
-            <a:fillRect/>
-          </a:stretch>
-        </p:blipFill>
-        <p:spPr>
-          <a:xfrm>
-            <a:off x="7049008" y="1656412"/>
-            <a:ext cx="3884442" cy="4282846"/>
+        </p:nvSpPr>
+        <p:spPr>
+          <a:xfrm>
+            <a:off x="6355829" y="3335311"/>
+            <a:ext cx="4523995" cy="369332"/>
           </a:xfrm>
           <a:prstGeom prst="rect">
             <a:avLst/>
           </a:prstGeom>
-        </p:spPr>
-      </p:pic>
+          <a:noFill/>
+        </p:spPr>
+        <p:txBody>
+          <a:bodyPr wrap="none" rtlCol="0">
+            <a:spAutoFit/>
+          </a:bodyPr>
+          <a:lstStyle/>
+          <a:p>
+            <a:r>
+              <a:rPr lang="ko-KR" altLang="en-US" dirty="0" smtClean="0"/>
+              <a:t>디자인 수정이 필요합니다</a:t>
+            </a:r>
+            <a:r>
+              <a:rPr lang="en-US" altLang="ko-KR" dirty="0" smtClean="0"/>
+              <a:t>. (</a:t>
+            </a:r>
+            <a:r>
+              <a:rPr lang="ko-KR" altLang="en-US" dirty="0" err="1" smtClean="0"/>
+              <a:t>한줄에</a:t>
+            </a:r>
+            <a:r>
+              <a:rPr lang="ko-KR" altLang="en-US" dirty="0" smtClean="0"/>
+              <a:t> </a:t>
+            </a:r>
+            <a:r>
+              <a:rPr lang="en-US" altLang="ko-KR" dirty="0" smtClean="0"/>
+              <a:t>2</a:t>
+            </a:r>
+            <a:r>
+              <a:rPr lang="ko-KR" altLang="en-US" dirty="0" smtClean="0"/>
+              <a:t>개씩</a:t>
+            </a:r>
+            <a:r>
+              <a:rPr lang="en-US" altLang="ko-KR" dirty="0" smtClean="0"/>
+              <a:t>)</a:t>
+            </a:r>
+            <a:endParaRPr lang="ko-KR" altLang="en-US" dirty="0"/>
+          </a:p>
+        </p:txBody>
+      </p:sp>
     </p:spTree>
     <p:extLst>
       <p:ext uri="{BB962C8B-B14F-4D97-AF65-F5344CB8AC3E}">

--- a/ppt/05-10.pptx
+++ b/ppt/05-10.pptx
@@ -3309,30 +3309,6 @@
           </a:prstGeom>
         </p:spPr>
       </p:pic>
-      <p:pic>
-        <p:nvPicPr>
-          <p:cNvPr id="6" name="그림 5"/>
-          <p:cNvPicPr>
-            <a:picLocks noChangeAspect="1"/>
-          </p:cNvPicPr>
-          <p:nvPr/>
-        </p:nvPicPr>
-        <p:blipFill>
-          <a:blip r:embed="rId3"/>
-          <a:stretch>
-            <a:fillRect/>
-          </a:stretch>
-        </p:blipFill>
-        <p:spPr>
-          <a:xfrm>
-            <a:off x="315572" y="1573192"/>
-            <a:ext cx="4515480" cy="4401164"/>
-          </a:xfrm>
-          <a:prstGeom prst="rect">
-            <a:avLst/>
-          </a:prstGeom>
-        </p:spPr>
-      </p:pic>
       <p:cxnSp>
         <p:nvCxnSpPr>
           <p:cNvPr id="8" name="직선 화살표 연결선 7"/>
@@ -3374,8 +3350,8 @@
         </p:nvSpPr>
         <p:spPr>
           <a:xfrm>
-            <a:off x="6355829" y="3335311"/>
-            <a:ext cx="4523995" cy="369332"/>
+            <a:off x="6295868" y="3132944"/>
+            <a:ext cx="4586512" cy="738664"/>
           </a:xfrm>
           <a:prstGeom prst="rect">
             <a:avLst/>
@@ -3388,38 +3364,86 @@
           </a:bodyPr>
           <a:lstStyle/>
           <a:p>
-            <a:r>
-              <a:rPr lang="ko-KR" altLang="en-US" dirty="0" smtClean="0"/>
-              <a:t>디자인 수정이 필요합니다</a:t>
-            </a:r>
-            <a:r>
-              <a:rPr lang="en-US" altLang="ko-KR" dirty="0" smtClean="0"/>
-              <a:t>. (</a:t>
-            </a:r>
-            <a:r>
-              <a:rPr lang="ko-KR" altLang="en-US" dirty="0" err="1" smtClean="0"/>
-              <a:t>한줄에</a:t>
-            </a:r>
-            <a:r>
-              <a:rPr lang="ko-KR" altLang="en-US" dirty="0" smtClean="0"/>
+            <a:pPr>
+              <a:lnSpc>
+                <a:spcPct val="150000"/>
+              </a:lnSpc>
+            </a:pPr>
+            <a:r>
+              <a:rPr lang="ko-KR" altLang="en-US" sz="1400" dirty="0" err="1" smtClean="0"/>
+              <a:t>한줄이였던</a:t>
+            </a:r>
+            <a:r>
+              <a:rPr lang="ko-KR" altLang="en-US" sz="1400" dirty="0" smtClean="0"/>
+              <a:t> 디자인을 제가 임의로 </a:t>
+            </a:r>
+            <a:r>
+              <a:rPr lang="en-US" altLang="ko-KR" sz="1400" dirty="0" smtClean="0"/>
+              <a:t>2</a:t>
+            </a:r>
+            <a:r>
+              <a:rPr lang="ko-KR" altLang="en-US" sz="1400" dirty="0" smtClean="0"/>
+              <a:t>줄로 만들었습니다</a:t>
+            </a:r>
+            <a:r>
+              <a:rPr lang="en-US" altLang="ko-KR" sz="1400" dirty="0" smtClean="0"/>
+              <a:t>.</a:t>
+            </a:r>
+          </a:p>
+          <a:p>
+            <a:pPr>
+              <a:lnSpc>
+                <a:spcPct val="150000"/>
+              </a:lnSpc>
+            </a:pPr>
+            <a:r>
+              <a:rPr lang="ko-KR" altLang="en-US" sz="1400" dirty="0" smtClean="0"/>
+              <a:t>내일 디자인 수정되면 </a:t>
+            </a:r>
+            <a:r>
+              <a:rPr lang="en-US" altLang="ko-KR" sz="1400" dirty="0" smtClean="0"/>
+              <a:t>CSS </a:t>
+            </a:r>
+            <a:r>
+              <a:rPr lang="ko-KR" altLang="en-US" sz="1400" dirty="0" smtClean="0"/>
+              <a:t>수정하겠습니다</a:t>
+            </a:r>
+            <a:r>
+              <a:rPr lang="en-US" altLang="ko-KR" sz="1400" dirty="0" smtClean="0"/>
+              <a:t>.</a:t>
+            </a:r>
+            <a:r>
+              <a:rPr lang="ko-KR" altLang="en-US" sz="1400" dirty="0" smtClean="0"/>
               <a:t> </a:t>
             </a:r>
-            <a:r>
-              <a:rPr lang="en-US" altLang="ko-KR" dirty="0" smtClean="0"/>
-              <a:t>2</a:t>
-            </a:r>
-            <a:r>
-              <a:rPr lang="ko-KR" altLang="en-US" dirty="0" smtClean="0"/>
-              <a:t>개씩</a:t>
-            </a:r>
-            <a:r>
-              <a:rPr lang="en-US" altLang="ko-KR" dirty="0" smtClean="0"/>
-              <a:t>)</a:t>
-            </a:r>
-            <a:endParaRPr lang="ko-KR" altLang="en-US" dirty="0"/>
-          </a:p>
-        </p:txBody>
-      </p:sp>
+            <a:endParaRPr lang="ko-KR" altLang="en-US" sz="1400" dirty="0"/>
+          </a:p>
+        </p:txBody>
+      </p:sp>
+      <p:pic>
+        <p:nvPicPr>
+          <p:cNvPr id="2" name="그림 1"/>
+          <p:cNvPicPr>
+            <a:picLocks noChangeAspect="1"/>
+          </p:cNvPicPr>
+          <p:nvPr/>
+        </p:nvPicPr>
+        <p:blipFill>
+          <a:blip r:embed="rId3"/>
+          <a:stretch>
+            <a:fillRect/>
+          </a:stretch>
+        </p:blipFill>
+        <p:spPr>
+          <a:xfrm>
+            <a:off x="301211" y="1424065"/>
+            <a:ext cx="3639371" cy="5177903"/>
+          </a:xfrm>
+          <a:prstGeom prst="rect">
+            <a:avLst/>
+          </a:prstGeom>
+        </p:spPr>
+      </p:pic>
     </p:spTree>
     <p:extLst>
       <p:ext uri="{BB962C8B-B14F-4D97-AF65-F5344CB8AC3E}">
